--- a/Programski jezici DS.pptx
+++ b/Programski jezici DS.pptx
@@ -13,11 +13,12 @@
     <p:sldId id="263" r:id="rId7"/>
     <p:sldId id="264" r:id="rId8"/>
     <p:sldId id="270" r:id="rId9"/>
-    <p:sldId id="265" r:id="rId10"/>
-    <p:sldId id="266" r:id="rId11"/>
-    <p:sldId id="269" r:id="rId12"/>
-    <p:sldId id="271" r:id="rId13"/>
-    <p:sldId id="261" r:id="rId14"/>
+    <p:sldId id="272" r:id="rId10"/>
+    <p:sldId id="265" r:id="rId11"/>
+    <p:sldId id="266" r:id="rId12"/>
+    <p:sldId id="269" r:id="rId13"/>
+    <p:sldId id="271" r:id="rId14"/>
+    <p:sldId id="261" r:id="rId15"/>
   </p:sldIdLst>
   <p:sldSz cx="12192000" cy="6858000"/>
   <p:notesSz cx="6858000" cy="9144000"/>
@@ -7228,7 +7229,7 @@
           <a:p>
             <a:fld id="{0AEA52B5-28DA-437F-BB6A-95C8CDED63A1}" type="datetimeFigureOut">
               <a:rPr lang="en-US" smtClean="0"/>
-              <a:t>8/30/2021</a:t>
+              <a:t>9/1/2021</a:t>
             </a:fld>
             <a:endParaRPr lang="en-US"/>
           </a:p>
@@ -7524,7 +7525,7 @@
           <a:p>
             <a:fld id="{0AEA52B5-28DA-437F-BB6A-95C8CDED63A1}" type="datetimeFigureOut">
               <a:rPr lang="en-US" smtClean="0"/>
-              <a:t>8/30/2021</a:t>
+              <a:t>9/1/2021</a:t>
             </a:fld>
             <a:endParaRPr lang="en-US"/>
           </a:p>
@@ -7772,7 +7773,7 @@
           <a:p>
             <a:fld id="{0AEA52B5-28DA-437F-BB6A-95C8CDED63A1}" type="datetimeFigureOut">
               <a:rPr lang="en-US" smtClean="0"/>
-              <a:t>8/30/2021</a:t>
+              <a:t>9/1/2021</a:t>
             </a:fld>
             <a:endParaRPr lang="en-US"/>
           </a:p>
@@ -8312,7 +8313,7 @@
           <a:p>
             <a:fld id="{0AEA52B5-28DA-437F-BB6A-95C8CDED63A1}" type="datetimeFigureOut">
               <a:rPr lang="en-US" smtClean="0"/>
-              <a:t>8/30/2021</a:t>
+              <a:t>9/1/2021</a:t>
             </a:fld>
             <a:endParaRPr lang="en-US"/>
           </a:p>
@@ -8560,7 +8561,7 @@
           <a:p>
             <a:fld id="{0AEA52B5-28DA-437F-BB6A-95C8CDED63A1}" type="datetimeFigureOut">
               <a:rPr lang="en-US" smtClean="0"/>
-              <a:t>8/30/2021</a:t>
+              <a:t>9/1/2021</a:t>
             </a:fld>
             <a:endParaRPr lang="en-US"/>
           </a:p>
@@ -9092,7 +9093,7 @@
           <a:p>
             <a:fld id="{0AEA52B5-28DA-437F-BB6A-95C8CDED63A1}" type="datetimeFigureOut">
               <a:rPr lang="en-US" smtClean="0"/>
-              <a:t>8/30/2021</a:t>
+              <a:t>9/1/2021</a:t>
             </a:fld>
             <a:endParaRPr lang="en-US"/>
           </a:p>
@@ -9389,7 +9390,7 @@
           <a:p>
             <a:fld id="{0AEA52B5-28DA-437F-BB6A-95C8CDED63A1}" type="datetimeFigureOut">
               <a:rPr lang="en-US" smtClean="0"/>
-              <a:t>8/30/2021</a:t>
+              <a:t>9/1/2021</a:t>
             </a:fld>
             <a:endParaRPr lang="en-US"/>
           </a:p>
@@ -9563,7 +9564,7 @@
           <a:p>
             <a:fld id="{0AEA52B5-28DA-437F-BB6A-95C8CDED63A1}" type="datetimeFigureOut">
               <a:rPr lang="en-US" smtClean="0"/>
-              <a:t>8/30/2021</a:t>
+              <a:t>9/1/2021</a:t>
             </a:fld>
             <a:endParaRPr lang="en-US"/>
           </a:p>
@@ -9743,7 +9744,7 @@
           <a:p>
             <a:fld id="{0AEA52B5-28DA-437F-BB6A-95C8CDED63A1}" type="datetimeFigureOut">
               <a:rPr lang="en-US" smtClean="0"/>
-              <a:t>8/30/2021</a:t>
+              <a:t>9/1/2021</a:t>
             </a:fld>
             <a:endParaRPr lang="en-US"/>
           </a:p>
@@ -9913,7 +9914,7 @@
           <a:p>
             <a:fld id="{0AEA52B5-28DA-437F-BB6A-95C8CDED63A1}" type="datetimeFigureOut">
               <a:rPr lang="en-US" smtClean="0"/>
-              <a:t>8/30/2021</a:t>
+              <a:t>9/1/2021</a:t>
             </a:fld>
             <a:endParaRPr lang="en-US"/>
           </a:p>
@@ -10164,7 +10165,7 @@
           <a:p>
             <a:fld id="{0AEA52B5-28DA-437F-BB6A-95C8CDED63A1}" type="datetimeFigureOut">
               <a:rPr lang="en-US" smtClean="0"/>
-              <a:t>8/30/2021</a:t>
+              <a:t>9/1/2021</a:t>
             </a:fld>
             <a:endParaRPr lang="en-US"/>
           </a:p>
@@ -10461,7 +10462,7 @@
           <a:p>
             <a:fld id="{0AEA52B5-28DA-437F-BB6A-95C8CDED63A1}" type="datetimeFigureOut">
               <a:rPr lang="en-US" smtClean="0"/>
-              <a:t>8/30/2021</a:t>
+              <a:t>9/1/2021</a:t>
             </a:fld>
             <a:endParaRPr lang="en-US"/>
           </a:p>
@@ -10903,7 +10904,7 @@
           <a:p>
             <a:fld id="{0AEA52B5-28DA-437F-BB6A-95C8CDED63A1}" type="datetimeFigureOut">
               <a:rPr lang="en-US" smtClean="0"/>
-              <a:t>8/30/2021</a:t>
+              <a:t>9/1/2021</a:t>
             </a:fld>
             <a:endParaRPr lang="en-US"/>
           </a:p>
@@ -11021,7 +11022,7 @@
           <a:p>
             <a:fld id="{0AEA52B5-28DA-437F-BB6A-95C8CDED63A1}" type="datetimeFigureOut">
               <a:rPr lang="en-US" smtClean="0"/>
-              <a:t>8/30/2021</a:t>
+              <a:t>9/1/2021</a:t>
             </a:fld>
             <a:endParaRPr lang="en-US"/>
           </a:p>
@@ -11116,7 +11117,7 @@
           <a:p>
             <a:fld id="{0AEA52B5-28DA-437F-BB6A-95C8CDED63A1}" type="datetimeFigureOut">
               <a:rPr lang="en-US" smtClean="0"/>
-              <a:t>8/30/2021</a:t>
+              <a:t>9/1/2021</a:t>
             </a:fld>
             <a:endParaRPr lang="en-US"/>
           </a:p>
@@ -11399,7 +11400,7 @@
           <a:p>
             <a:fld id="{0AEA52B5-28DA-437F-BB6A-95C8CDED63A1}" type="datetimeFigureOut">
               <a:rPr lang="en-US" smtClean="0"/>
-              <a:t>8/30/2021</a:t>
+              <a:t>9/1/2021</a:t>
             </a:fld>
             <a:endParaRPr lang="en-US"/>
           </a:p>
@@ -11690,7 +11691,7 @@
           <a:p>
             <a:fld id="{0AEA52B5-28DA-437F-BB6A-95C8CDED63A1}" type="datetimeFigureOut">
               <a:rPr lang="en-US" smtClean="0"/>
-              <a:t>8/30/2021</a:t>
+              <a:t>9/1/2021</a:t>
             </a:fld>
             <a:endParaRPr lang="en-US"/>
           </a:p>
@@ -12220,7 +12221,7 @@
           <a:p>
             <a:fld id="{0AEA52B5-28DA-437F-BB6A-95C8CDED63A1}" type="datetimeFigureOut">
               <a:rPr lang="en-US" smtClean="0"/>
-              <a:t>8/30/2021</a:t>
+              <a:t>9/1/2021</a:t>
             </a:fld>
             <a:endParaRPr lang="en-US"/>
           </a:p>
@@ -12915,6 +12916,775 @@
       </p:grpSpPr>
       <p:sp useBgFill="1">
         <p:nvSpPr>
+          <p:cNvPr id="27" name="Rectangle 26">
+            <a:extLst>
+              <a:ext uri="{FF2B5EF4-FFF2-40B4-BE49-F238E27FC236}">
+                <a16:creationId xmlns:a16="http://schemas.microsoft.com/office/drawing/2014/main" id="{E03BF673-8C68-4092-BF1B-53C57EFEC21F}"/>
+              </a:ext>
+              <a:ext uri="{C183D7F6-B498-43B3-948B-1728B52AA6E4}">
+                <adec:decorative xmlns:adec="http://schemas.microsoft.com/office/drawing/2017/decorative" val="1"/>
+              </a:ext>
+            </a:extLst>
+          </p:cNvPr>
+          <p:cNvSpPr>
+            <a:spLocks noGrp="1" noRot="1" noChangeAspect="1" noMove="1" noResize="1" noEditPoints="1" noAdjustHandles="1" noChangeArrowheads="1" noChangeShapeType="1" noTextEdit="1"/>
+          </p:cNvSpPr>
+          <p:nvPr>
+            <p:extLst>
+              <p:ext uri="{386F3935-93C4-4BCD-93E2-E3B085C9AB24}">
+                <p16:designElem xmlns:p16="http://schemas.microsoft.com/office/powerpoint/2015/main" val="1"/>
+              </p:ext>
+            </p:extLst>
+          </p:nvPr>
+        </p:nvSpPr>
+        <p:spPr>
+          <a:xfrm>
+            <a:off x="0" y="0"/>
+            <a:ext cx="12188824" cy="6858000"/>
+          </a:xfrm>
+          <a:prstGeom prst="rect">
+            <a:avLst/>
+          </a:prstGeom>
+          <a:ln>
+            <a:noFill/>
+          </a:ln>
+        </p:spPr>
+        <p:style>
+          <a:lnRef idx="2">
+            <a:schemeClr val="accent1">
+              <a:shade val="50000"/>
+            </a:schemeClr>
+          </a:lnRef>
+          <a:fillRef idx="1">
+            <a:schemeClr val="accent1"/>
+          </a:fillRef>
+          <a:effectRef idx="0">
+            <a:schemeClr val="accent1"/>
+          </a:effectRef>
+          <a:fontRef idx="minor">
+            <a:schemeClr val="lt1"/>
+          </a:fontRef>
+        </p:style>
+        <p:txBody>
+          <a:bodyPr rtlCol="0" anchor="ctr"/>
+          <a:lstStyle/>
+          <a:p>
+            <a:pPr algn="ctr"/>
+            <a:endParaRPr lang="en-US"/>
+          </a:p>
+        </p:txBody>
+      </p:sp>
+      <p:sp>
+        <p:nvSpPr>
+          <p:cNvPr id="29" name="Freeform 47">
+            <a:extLst>
+              <a:ext uri="{FF2B5EF4-FFF2-40B4-BE49-F238E27FC236}">
+                <a16:creationId xmlns:a16="http://schemas.microsoft.com/office/drawing/2014/main" id="{08751D95-C333-4DEB-90B4-1EAC9A91DCA3}"/>
+              </a:ext>
+              <a:ext uri="{C183D7F6-B498-43B3-948B-1728B52AA6E4}">
+                <adec:decorative xmlns:adec="http://schemas.microsoft.com/office/drawing/2017/decorative" val="1"/>
+              </a:ext>
+            </a:extLst>
+          </p:cNvPr>
+          <p:cNvSpPr>
+            <a:spLocks noGrp="1" noRot="1" noChangeAspect="1" noMove="1" noResize="1" noEditPoints="1" noAdjustHandles="1" noChangeArrowheads="1" noChangeShapeType="1" noTextEdit="1"/>
+          </p:cNvSpPr>
+          <p:nvPr>
+            <p:extLst>
+              <p:ext uri="{386F3935-93C4-4BCD-93E2-E3B085C9AB24}">
+                <p16:designElem xmlns:p16="http://schemas.microsoft.com/office/powerpoint/2015/main" val="1"/>
+              </p:ext>
+            </p:extLst>
+          </p:nvPr>
+        </p:nvSpPr>
+        <p:spPr bwMode="white">
+          <a:xfrm flipH="1">
+            <a:off x="4062127" y="-15832"/>
+            <a:ext cx="8129873" cy="6889518"/>
+          </a:xfrm>
+          <a:custGeom>
+            <a:avLst/>
+            <a:gdLst>
+              <a:gd name="connsiteX0" fmla="*/ 0 w 8129873"/>
+              <a:gd name="connsiteY0" fmla="*/ 0 h 6889518"/>
+              <a:gd name="connsiteX1" fmla="*/ 0 w 8129873"/>
+              <a:gd name="connsiteY1" fmla="*/ 6889518 h 6889518"/>
+              <a:gd name="connsiteX2" fmla="*/ 6207942 w 8129873"/>
+              <a:gd name="connsiteY2" fmla="*/ 6882299 h 6889518"/>
+              <a:gd name="connsiteX3" fmla="*/ 8129873 w 8129873"/>
+              <a:gd name="connsiteY3" fmla="*/ 5349831 h 6889518"/>
+              <a:gd name="connsiteX4" fmla="*/ 7291674 w 8129873"/>
+              <a:gd name="connsiteY4" fmla="*/ 7365 h 6889518"/>
+            </a:gdLst>
+            <a:ahLst/>
+            <a:cxnLst>
+              <a:cxn ang="0">
+                <a:pos x="connsiteX0" y="connsiteY0"/>
+              </a:cxn>
+              <a:cxn ang="0">
+                <a:pos x="connsiteX1" y="connsiteY1"/>
+              </a:cxn>
+              <a:cxn ang="0">
+                <a:pos x="connsiteX2" y="connsiteY2"/>
+              </a:cxn>
+              <a:cxn ang="0">
+                <a:pos x="connsiteX3" y="connsiteY3"/>
+              </a:cxn>
+              <a:cxn ang="0">
+                <a:pos x="connsiteX4" y="connsiteY4"/>
+              </a:cxn>
+            </a:cxnLst>
+            <a:rect l="l" t="t" r="r" b="b"/>
+            <a:pathLst>
+              <a:path w="8129873" h="6889518">
+                <a:moveTo>
+                  <a:pt x="0" y="0"/>
+                </a:moveTo>
+                <a:lnTo>
+                  <a:pt x="0" y="6889518"/>
+                </a:lnTo>
+                <a:lnTo>
+                  <a:pt x="6207942" y="6882299"/>
+                </a:lnTo>
+                <a:lnTo>
+                  <a:pt x="8129873" y="5349831"/>
+                </a:lnTo>
+                <a:lnTo>
+                  <a:pt x="7291674" y="7365"/>
+                </a:lnTo>
+                <a:close/>
+              </a:path>
+            </a:pathLst>
+          </a:custGeom>
+          <a:solidFill>
+            <a:schemeClr val="tx1">
+              <a:lumMod val="95000"/>
+              <a:lumOff val="5000"/>
+              <a:alpha val="80000"/>
+            </a:schemeClr>
+          </a:solidFill>
+          <a:ln>
+            <a:noFill/>
+          </a:ln>
+          <a:effectLst/>
+        </p:spPr>
+        <p:style>
+          <a:lnRef idx="1">
+            <a:schemeClr val="accent1"/>
+          </a:lnRef>
+          <a:fillRef idx="3">
+            <a:schemeClr val="accent1"/>
+          </a:fillRef>
+          <a:effectRef idx="2">
+            <a:schemeClr val="accent1"/>
+          </a:effectRef>
+          <a:fontRef idx="minor">
+            <a:schemeClr val="lt1"/>
+          </a:fontRef>
+        </p:style>
+        <p:txBody>
+          <a:bodyPr wrap="square" rtlCol="0" anchor="ctr">
+            <a:noAutofit/>
+          </a:bodyPr>
+          <a:lstStyle/>
+          <a:p>
+            <a:pPr algn="ctr"/>
+            <a:endParaRPr lang="en-US"/>
+          </a:p>
+        </p:txBody>
+      </p:sp>
+      <p:grpSp>
+        <p:nvGrpSpPr>
+          <p:cNvPr id="31" name="Group 30">
+            <a:extLst>
+              <a:ext uri="{FF2B5EF4-FFF2-40B4-BE49-F238E27FC236}">
+                <a16:creationId xmlns:a16="http://schemas.microsoft.com/office/drawing/2014/main" id="{FBBA7535-3851-431E-BDA9-B4F6C1201291}"/>
+              </a:ext>
+              <a:ext uri="{C183D7F6-B498-43B3-948B-1728B52AA6E4}">
+                <adec:decorative xmlns:adec="http://schemas.microsoft.com/office/drawing/2017/decorative" val="1"/>
+              </a:ext>
+            </a:extLst>
+          </p:cNvPr>
+          <p:cNvGrpSpPr>
+            <a:grpSpLocks noGrp="1" noUngrp="1" noRot="1" noChangeAspect="1" noMove="1" noResize="1"/>
+          </p:cNvGrpSpPr>
+          <p:nvPr>
+            <p:extLst>
+              <p:ext uri="{386F3935-93C4-4BCD-93E2-E3B085C9AB24}">
+                <p16:designElem xmlns:p16="http://schemas.microsoft.com/office/powerpoint/2015/main" val="1"/>
+              </p:ext>
+            </p:extLst>
+          </p:nvPr>
+        </p:nvGrpSpPr>
+        <p:grpSpPr>
+          <a:xfrm>
+            <a:off x="3413893" y="0"/>
+            <a:ext cx="2436813" cy="6858001"/>
+            <a:chOff x="1320800" y="0"/>
+            <a:chExt cx="2436813" cy="6858001"/>
+          </a:xfrm>
+        </p:grpSpPr>
+        <p:sp>
+          <p:nvSpPr>
+            <p:cNvPr id="32" name="Freeform 6">
+              <a:extLst>
+                <a:ext uri="{FF2B5EF4-FFF2-40B4-BE49-F238E27FC236}">
+                  <a16:creationId xmlns:a16="http://schemas.microsoft.com/office/drawing/2014/main" id="{2F07680B-461A-4AFC-808F-93216679AA2B}"/>
+                </a:ext>
+                <a:ext uri="{C183D7F6-B498-43B3-948B-1728B52AA6E4}">
+                  <adec:decorative xmlns:adec="http://schemas.microsoft.com/office/drawing/2017/decorative" val="1"/>
+                </a:ext>
+              </a:extLst>
+            </p:cNvPr>
+            <p:cNvSpPr/>
+            <p:nvPr>
+              <p:extLst>
+                <p:ext uri="{386F3935-93C4-4BCD-93E2-E3B085C9AB24}">
+                  <p16:designElem xmlns:p16="http://schemas.microsoft.com/office/powerpoint/2015/main" val="1"/>
+                </p:ext>
+              </p:extLst>
+            </p:nvPr>
+          </p:nvSpPr>
+          <p:spPr bwMode="auto">
+            <a:xfrm>
+              <a:off x="1627188" y="0"/>
+              <a:ext cx="1122363" cy="5329238"/>
+            </a:xfrm>
+            <a:custGeom>
+              <a:avLst/>
+              <a:gdLst/>
+              <a:ahLst/>
+              <a:cxnLst/>
+              <a:rect l="0" t="0" r="r" b="b"/>
+              <a:pathLst>
+                <a:path w="707" h="3357">
+                  <a:moveTo>
+                    <a:pt x="0" y="3330"/>
+                  </a:moveTo>
+                  <a:lnTo>
+                    <a:pt x="156" y="3357"/>
+                  </a:lnTo>
+                  <a:lnTo>
+                    <a:pt x="707" y="0"/>
+                  </a:lnTo>
+                  <a:lnTo>
+                    <a:pt x="547" y="0"/>
+                  </a:lnTo>
+                  <a:lnTo>
+                    <a:pt x="0" y="3330"/>
+                  </a:lnTo>
+                  <a:close/>
+                </a:path>
+              </a:pathLst>
+            </a:custGeom>
+            <a:solidFill>
+              <a:schemeClr val="accent1"/>
+            </a:solidFill>
+            <a:ln>
+              <a:noFill/>
+            </a:ln>
+          </p:spPr>
+        </p:sp>
+        <p:sp>
+          <p:nvSpPr>
+            <p:cNvPr id="33" name="Freeform 7">
+              <a:extLst>
+                <a:ext uri="{FF2B5EF4-FFF2-40B4-BE49-F238E27FC236}">
+                  <a16:creationId xmlns:a16="http://schemas.microsoft.com/office/drawing/2014/main" id="{8C864A04-25C0-4A5F-B6D4-F3859450A43E}"/>
+                </a:ext>
+                <a:ext uri="{C183D7F6-B498-43B3-948B-1728B52AA6E4}">
+                  <adec:decorative xmlns:adec="http://schemas.microsoft.com/office/drawing/2017/decorative" val="1"/>
+                </a:ext>
+              </a:extLst>
+            </p:cNvPr>
+            <p:cNvSpPr/>
+            <p:nvPr>
+              <p:extLst>
+                <p:ext uri="{386F3935-93C4-4BCD-93E2-E3B085C9AB24}">
+                  <p16:designElem xmlns:p16="http://schemas.microsoft.com/office/powerpoint/2015/main" val="1"/>
+                </p:ext>
+              </p:extLst>
+            </p:nvPr>
+          </p:nvSpPr>
+          <p:spPr bwMode="auto">
+            <a:xfrm>
+              <a:off x="1320800" y="0"/>
+              <a:ext cx="1117600" cy="5276850"/>
+            </a:xfrm>
+            <a:custGeom>
+              <a:avLst/>
+              <a:gdLst/>
+              <a:ahLst/>
+              <a:cxnLst/>
+              <a:rect l="0" t="0" r="r" b="b"/>
+              <a:pathLst>
+                <a:path w="704" h="3324">
+                  <a:moveTo>
+                    <a:pt x="704" y="0"/>
+                  </a:moveTo>
+                  <a:lnTo>
+                    <a:pt x="545" y="0"/>
+                  </a:lnTo>
+                  <a:lnTo>
+                    <a:pt x="0" y="3300"/>
+                  </a:lnTo>
+                  <a:lnTo>
+                    <a:pt x="157" y="3324"/>
+                  </a:lnTo>
+                  <a:lnTo>
+                    <a:pt x="704" y="0"/>
+                  </a:lnTo>
+                  <a:close/>
+                </a:path>
+              </a:pathLst>
+            </a:custGeom>
+            <a:solidFill>
+              <a:schemeClr val="tx1">
+                <a:lumMod val="65000"/>
+                <a:lumOff val="35000"/>
+              </a:schemeClr>
+            </a:solidFill>
+            <a:ln>
+              <a:noFill/>
+            </a:ln>
+          </p:spPr>
+        </p:sp>
+        <p:sp>
+          <p:nvSpPr>
+            <p:cNvPr id="34" name="Freeform 8">
+              <a:extLst>
+                <a:ext uri="{FF2B5EF4-FFF2-40B4-BE49-F238E27FC236}">
+                  <a16:creationId xmlns:a16="http://schemas.microsoft.com/office/drawing/2014/main" id="{5F596D75-78C8-47A8-9225-7C64A6674748}"/>
+                </a:ext>
+                <a:ext uri="{C183D7F6-B498-43B3-948B-1728B52AA6E4}">
+                  <adec:decorative xmlns:adec="http://schemas.microsoft.com/office/drawing/2017/decorative" val="1"/>
+                </a:ext>
+              </a:extLst>
+            </p:cNvPr>
+            <p:cNvSpPr/>
+            <p:nvPr>
+              <p:extLst>
+                <p:ext uri="{386F3935-93C4-4BCD-93E2-E3B085C9AB24}">
+                  <p16:designElem xmlns:p16="http://schemas.microsoft.com/office/powerpoint/2015/main" val="1"/>
+                </p:ext>
+              </p:extLst>
+            </p:nvPr>
+          </p:nvSpPr>
+          <p:spPr bwMode="auto">
+            <a:xfrm>
+              <a:off x="1320800" y="5238750"/>
+              <a:ext cx="1228725" cy="1619250"/>
+            </a:xfrm>
+            <a:custGeom>
+              <a:avLst/>
+              <a:gdLst/>
+              <a:ahLst/>
+              <a:cxnLst/>
+              <a:rect l="0" t="0" r="r" b="b"/>
+              <a:pathLst>
+                <a:path w="774" h="1020">
+                  <a:moveTo>
+                    <a:pt x="0" y="0"/>
+                  </a:moveTo>
+                  <a:lnTo>
+                    <a:pt x="740" y="1020"/>
+                  </a:lnTo>
+                  <a:lnTo>
+                    <a:pt x="774" y="1020"/>
+                  </a:lnTo>
+                  <a:lnTo>
+                    <a:pt x="0" y="0"/>
+                  </a:lnTo>
+                  <a:close/>
+                </a:path>
+              </a:pathLst>
+            </a:custGeom>
+            <a:solidFill>
+              <a:schemeClr val="tx1">
+                <a:lumMod val="85000"/>
+                <a:lumOff val="15000"/>
+              </a:schemeClr>
+            </a:solidFill>
+            <a:ln>
+              <a:noFill/>
+            </a:ln>
+          </p:spPr>
+        </p:sp>
+        <p:sp>
+          <p:nvSpPr>
+            <p:cNvPr id="35" name="Freeform 9">
+              <a:extLst>
+                <a:ext uri="{FF2B5EF4-FFF2-40B4-BE49-F238E27FC236}">
+                  <a16:creationId xmlns:a16="http://schemas.microsoft.com/office/drawing/2014/main" id="{128D8641-4FEB-4878-B029-6CC4922EB5DF}"/>
+                </a:ext>
+                <a:ext uri="{C183D7F6-B498-43B3-948B-1728B52AA6E4}">
+                  <adec:decorative xmlns:adec="http://schemas.microsoft.com/office/drawing/2017/decorative" val="1"/>
+                </a:ext>
+              </a:extLst>
+            </p:cNvPr>
+            <p:cNvSpPr/>
+            <p:nvPr>
+              <p:extLst>
+                <p:ext uri="{386F3935-93C4-4BCD-93E2-E3B085C9AB24}">
+                  <p16:designElem xmlns:p16="http://schemas.microsoft.com/office/powerpoint/2015/main" val="1"/>
+                </p:ext>
+              </p:extLst>
+            </p:nvPr>
+          </p:nvSpPr>
+          <p:spPr bwMode="auto">
+            <a:xfrm>
+              <a:off x="1627188" y="5291138"/>
+              <a:ext cx="1495425" cy="1566863"/>
+            </a:xfrm>
+            <a:custGeom>
+              <a:avLst/>
+              <a:gdLst/>
+              <a:ahLst/>
+              <a:cxnLst/>
+              <a:rect l="0" t="0" r="r" b="b"/>
+              <a:pathLst>
+                <a:path w="942" h="987">
+                  <a:moveTo>
+                    <a:pt x="0" y="0"/>
+                  </a:moveTo>
+                  <a:lnTo>
+                    <a:pt x="909" y="987"/>
+                  </a:lnTo>
+                  <a:lnTo>
+                    <a:pt x="942" y="987"/>
+                  </a:lnTo>
+                  <a:lnTo>
+                    <a:pt x="0" y="0"/>
+                  </a:lnTo>
+                  <a:close/>
+                </a:path>
+              </a:pathLst>
+            </a:custGeom>
+            <a:solidFill>
+              <a:schemeClr val="accent1">
+                <a:lumMod val="50000"/>
+              </a:schemeClr>
+            </a:solidFill>
+            <a:ln>
+              <a:noFill/>
+            </a:ln>
+          </p:spPr>
+        </p:sp>
+        <p:sp>
+          <p:nvSpPr>
+            <p:cNvPr id="36" name="Freeform 10">
+              <a:extLst>
+                <a:ext uri="{FF2B5EF4-FFF2-40B4-BE49-F238E27FC236}">
+                  <a16:creationId xmlns:a16="http://schemas.microsoft.com/office/drawing/2014/main" id="{BB339737-0E88-4165-A752-9E204068DE70}"/>
+                </a:ext>
+                <a:ext uri="{C183D7F6-B498-43B3-948B-1728B52AA6E4}">
+                  <adec:decorative xmlns:adec="http://schemas.microsoft.com/office/drawing/2017/decorative" val="1"/>
+                </a:ext>
+              </a:extLst>
+            </p:cNvPr>
+            <p:cNvSpPr/>
+            <p:nvPr>
+              <p:extLst>
+                <p:ext uri="{386F3935-93C4-4BCD-93E2-E3B085C9AB24}">
+                  <p16:designElem xmlns:p16="http://schemas.microsoft.com/office/powerpoint/2015/main" val="1"/>
+                </p:ext>
+              </p:extLst>
+            </p:nvPr>
+          </p:nvSpPr>
+          <p:spPr bwMode="auto">
+            <a:xfrm>
+              <a:off x="1627188" y="5286375"/>
+              <a:ext cx="2130425" cy="1571625"/>
+            </a:xfrm>
+            <a:custGeom>
+              <a:avLst/>
+              <a:gdLst/>
+              <a:ahLst/>
+              <a:cxnLst/>
+              <a:rect l="0" t="0" r="r" b="b"/>
+              <a:pathLst>
+                <a:path w="1342" h="990">
+                  <a:moveTo>
+                    <a:pt x="0" y="3"/>
+                  </a:moveTo>
+                  <a:lnTo>
+                    <a:pt x="942" y="990"/>
+                  </a:lnTo>
+                  <a:lnTo>
+                    <a:pt x="1342" y="990"/>
+                  </a:lnTo>
+                  <a:lnTo>
+                    <a:pt x="156" y="27"/>
+                  </a:lnTo>
+                  <a:lnTo>
+                    <a:pt x="0" y="0"/>
+                  </a:lnTo>
+                  <a:lnTo>
+                    <a:pt x="0" y="3"/>
+                  </a:lnTo>
+                  <a:close/>
+                </a:path>
+              </a:pathLst>
+            </a:custGeom>
+            <a:solidFill>
+              <a:schemeClr val="accent1">
+                <a:lumMod val="75000"/>
+              </a:schemeClr>
+            </a:solidFill>
+            <a:ln>
+              <a:noFill/>
+            </a:ln>
+          </p:spPr>
+        </p:sp>
+        <p:sp>
+          <p:nvSpPr>
+            <p:cNvPr id="37" name="Freeform 11">
+              <a:extLst>
+                <a:ext uri="{FF2B5EF4-FFF2-40B4-BE49-F238E27FC236}">
+                  <a16:creationId xmlns:a16="http://schemas.microsoft.com/office/drawing/2014/main" id="{633AF255-B0DD-4D23-A3F2-DDB221BB1B26}"/>
+                </a:ext>
+                <a:ext uri="{C183D7F6-B498-43B3-948B-1728B52AA6E4}">
+                  <adec:decorative xmlns:adec="http://schemas.microsoft.com/office/drawing/2017/decorative" val="1"/>
+                </a:ext>
+              </a:extLst>
+            </p:cNvPr>
+            <p:cNvSpPr/>
+            <p:nvPr>
+              <p:extLst>
+                <p:ext uri="{386F3935-93C4-4BCD-93E2-E3B085C9AB24}">
+                  <p16:designElem xmlns:p16="http://schemas.microsoft.com/office/powerpoint/2015/main" val="1"/>
+                </p:ext>
+              </p:extLst>
+            </p:nvPr>
+          </p:nvSpPr>
+          <p:spPr bwMode="auto">
+            <a:xfrm>
+              <a:off x="1320800" y="5238750"/>
+              <a:ext cx="1695450" cy="1619250"/>
+            </a:xfrm>
+            <a:custGeom>
+              <a:avLst/>
+              <a:gdLst/>
+              <a:ahLst/>
+              <a:cxnLst/>
+              <a:rect l="0" t="0" r="r" b="b"/>
+              <a:pathLst>
+                <a:path w="1068" h="1020">
+                  <a:moveTo>
+                    <a:pt x="1068" y="1020"/>
+                  </a:moveTo>
+                  <a:lnTo>
+                    <a:pt x="184" y="60"/>
+                  </a:lnTo>
+                  <a:lnTo>
+                    <a:pt x="154" y="27"/>
+                  </a:lnTo>
+                  <a:lnTo>
+                    <a:pt x="157" y="27"/>
+                  </a:lnTo>
+                  <a:lnTo>
+                    <a:pt x="157" y="24"/>
+                  </a:lnTo>
+                  <a:lnTo>
+                    <a:pt x="154" y="24"/>
+                  </a:lnTo>
+                  <a:lnTo>
+                    <a:pt x="0" y="0"/>
+                  </a:lnTo>
+                  <a:lnTo>
+                    <a:pt x="0" y="0"/>
+                  </a:lnTo>
+                  <a:lnTo>
+                    <a:pt x="774" y="1020"/>
+                  </a:lnTo>
+                  <a:lnTo>
+                    <a:pt x="1068" y="1020"/>
+                  </a:lnTo>
+                  <a:close/>
+                </a:path>
+              </a:pathLst>
+            </a:custGeom>
+            <a:solidFill>
+              <a:schemeClr val="tx1">
+                <a:lumMod val="75000"/>
+                <a:lumOff val="25000"/>
+              </a:schemeClr>
+            </a:solidFill>
+            <a:ln>
+              <a:noFill/>
+            </a:ln>
+          </p:spPr>
+        </p:sp>
+      </p:grpSp>
+      <p:sp>
+        <p:nvSpPr>
+          <p:cNvPr id="2" name="Title 1">
+            <a:extLst>
+              <a:ext uri="{FF2B5EF4-FFF2-40B4-BE49-F238E27FC236}">
+                <a16:creationId xmlns:a16="http://schemas.microsoft.com/office/drawing/2014/main" id="{75EC3D49-CE9B-44A8-BB26-8D99ECCC3E99}"/>
+              </a:ext>
+            </a:extLst>
+          </p:cNvPr>
+          <p:cNvSpPr>
+            <a:spLocks noGrp="1"/>
+          </p:cNvSpPr>
+          <p:nvPr>
+            <p:ph type="title"/>
+          </p:nvPr>
+        </p:nvSpPr>
+        <p:spPr>
+          <a:xfrm>
+            <a:off x="412025" y="1072609"/>
+            <a:ext cx="3041557" cy="4522647"/>
+          </a:xfrm>
+          <a:effectLst/>
+        </p:spPr>
+        <p:txBody>
+          <a:bodyPr anchor="ctr">
+            <a:normAutofit/>
+          </a:bodyPr>
+          <a:lstStyle/>
+          <a:p>
+            <a:pPr algn="l"/>
+            <a:r>
+              <a:rPr lang="sr-Latn-RS" sz="3200"/>
+              <a:t>R programski jezik</a:t>
+            </a:r>
+            <a:endParaRPr lang="en-US" sz="3200"/>
+          </a:p>
+        </p:txBody>
+      </p:sp>
+      <p:sp>
+        <p:nvSpPr>
+          <p:cNvPr id="3" name="Content Placeholder 2">
+            <a:extLst>
+              <a:ext uri="{FF2B5EF4-FFF2-40B4-BE49-F238E27FC236}">
+                <a16:creationId xmlns:a16="http://schemas.microsoft.com/office/drawing/2014/main" id="{155964D7-17D3-4F99-A9A0-78CA990D0F74}"/>
+              </a:ext>
+            </a:extLst>
+          </p:cNvPr>
+          <p:cNvSpPr>
+            <a:spLocks noGrp="1"/>
+          </p:cNvSpPr>
+          <p:nvPr>
+            <p:ph idx="1"/>
+          </p:nvPr>
+        </p:nvSpPr>
+        <p:spPr>
+          <a:xfrm>
+            <a:off x="5149032" y="1072609"/>
+            <a:ext cx="6652441" cy="4522647"/>
+          </a:xfrm>
+        </p:spPr>
+        <p:txBody>
+          <a:bodyPr anchor="ctr">
+            <a:normAutofit/>
+          </a:bodyPr>
+          <a:lstStyle/>
+          <a:p>
+            <a:pPr algn="just"/>
+            <a:r>
+              <a:rPr lang="sr-Latn-RS" sz="2000" dirty="0">
+                <a:solidFill>
+                  <a:schemeClr val="bg1"/>
+                </a:solidFill>
+              </a:rPr>
+              <a:t>Za rad u programskom jeziku R korišćeno je Rstudio razvojno okruženje.</a:t>
+            </a:r>
+          </a:p>
+          <a:p>
+            <a:pPr algn="just"/>
+            <a:r>
+              <a:rPr lang="sr-Latn-RS" sz="2000" dirty="0">
+                <a:solidFill>
+                  <a:schemeClr val="bg1"/>
+                </a:solidFill>
+              </a:rPr>
+              <a:t>Za pripremu ovog projekta je napisana skripta koja instalira sve neophodne biblioteke, kako bi R paketi koji su potrebni mogli raditi. Ovo uključuje Anaconda-u, libunits2-dev, sweetviz, libmagic, jq, libjq-dev.</a:t>
+            </a:r>
+          </a:p>
+          <a:p>
+            <a:pPr algn="just"/>
+            <a:r>
+              <a:rPr lang="sr-Latn-RS" sz="2000" dirty="0">
+                <a:solidFill>
+                  <a:schemeClr val="bg1"/>
+                </a:solidFill>
+              </a:rPr>
+              <a:t>Na početku notebook-a se nalazi instalacija svih R paketa, od kojih su tu paketi za iscrtavanje podataka i mapa, kao i već pomenuti Prophet i Sweetviz, koji se instaliraju direktno sa Github-a.</a:t>
+            </a:r>
+          </a:p>
+          <a:p>
+            <a:pPr algn="just"/>
+            <a:r>
+              <a:rPr lang="sr-Latn-RS" sz="2000" dirty="0">
+                <a:solidFill>
+                  <a:schemeClr val="bg1"/>
+                </a:solidFill>
+              </a:rPr>
+              <a:t>Za analizu dataseta, ovog puta je neophodno preuzeti ga na računar.</a:t>
+            </a:r>
+            <a:endParaRPr lang="en-US" sz="2000" dirty="0">
+              <a:solidFill>
+                <a:schemeClr val="bg1"/>
+              </a:solidFill>
+            </a:endParaRPr>
+          </a:p>
+        </p:txBody>
+      </p:sp>
+    </p:spTree>
+    <p:extLst>
+      <p:ext uri="{BB962C8B-B14F-4D97-AF65-F5344CB8AC3E}">
+        <p14:creationId xmlns:p14="http://schemas.microsoft.com/office/powerpoint/2010/main" val="3751372725"/>
+      </p:ext>
+    </p:extLst>
+  </p:cSld>
+  <p:clrMapOvr>
+    <a:masterClrMapping/>
+  </p:clrMapOvr>
+</p:sld>
+</file>
+
+<file path=ppt/slides/slide11.xml><?xml version="1.0" encoding="utf-8"?>
+<p:sld xmlns:a="http://schemas.openxmlformats.org/drawingml/2006/main" xmlns:r="http://schemas.openxmlformats.org/officeDocument/2006/relationships" xmlns:p="http://schemas.openxmlformats.org/presentationml/2006/main">
+  <p:cSld>
+    <p:bg>
+      <p:bgPr>
+        <a:blipFill rotWithShape="1">
+          <a:blip r:embed="rId2">
+            <a:duotone>
+              <a:schemeClr val="bg2">
+                <a:shade val="76000"/>
+                <a:satMod val="180000"/>
+              </a:schemeClr>
+              <a:schemeClr val="bg2">
+                <a:tint val="80000"/>
+                <a:satMod val="120000"/>
+                <a:lumMod val="180000"/>
+              </a:schemeClr>
+            </a:duotone>
+          </a:blip>
+          <a:stretch/>
+        </a:blipFill>
+        <a:effectLst/>
+      </p:bgPr>
+    </p:bg>
+    <p:spTree>
+      <p:nvGrpSpPr>
+        <p:cNvPr id="1" name=""/>
+        <p:cNvGrpSpPr/>
+        <p:nvPr/>
+      </p:nvGrpSpPr>
+      <p:grpSpPr>
+        <a:xfrm>
+          <a:off x="0" y="0"/>
+          <a:ext cx="0" cy="0"/>
+          <a:chOff x="0" y="0"/>
+          <a:chExt cx="0" cy="0"/>
+        </a:xfrm>
+      </p:grpSpPr>
+      <p:sp useBgFill="1">
+        <p:nvSpPr>
           <p:cNvPr id="21" name="Rectangle 20">
             <a:extLst>
               <a:ext uri="{FF2B5EF4-FFF2-40B4-BE49-F238E27FC236}">
@@ -13806,7 +14576,7 @@
 </p:sld>
 </file>
 
-<file path=ppt/slides/slide11.xml><?xml version="1.0" encoding="utf-8"?>
+<file path=ppt/slides/slide12.xml><?xml version="1.0" encoding="utf-8"?>
 <p:sld xmlns:a="http://schemas.openxmlformats.org/drawingml/2006/main" xmlns:r="http://schemas.openxmlformats.org/officeDocument/2006/relationships" xmlns:p="http://schemas.openxmlformats.org/presentationml/2006/main">
   <p:cSld>
     <p:bg>
@@ -14713,7 +15483,7 @@
 </p:sld>
 </file>
 
-<file path=ppt/slides/slide12.xml><?xml version="1.0" encoding="utf-8"?>
+<file path=ppt/slides/slide13.xml><?xml version="1.0" encoding="utf-8"?>
 <p:sld xmlns:a="http://schemas.openxmlformats.org/drawingml/2006/main" xmlns:r="http://schemas.openxmlformats.org/officeDocument/2006/relationships" xmlns:p="http://schemas.openxmlformats.org/presentationml/2006/main" showMasterSp="0">
   <p:cSld>
     <p:bg>
@@ -14785,7 +15555,7 @@
 </p:sld>
 </file>
 
-<file path=ppt/slides/slide13.xml><?xml version="1.0" encoding="utf-8"?>
+<file path=ppt/slides/slide14.xml><?xml version="1.0" encoding="utf-8"?>
 <p:sld xmlns:a="http://schemas.openxmlformats.org/drawingml/2006/main" xmlns:r="http://schemas.openxmlformats.org/officeDocument/2006/relationships" xmlns:p="http://schemas.openxmlformats.org/presentationml/2006/main">
   <p:cSld>
     <p:bg>
@@ -15380,7 +16150,7 @@
         <p:spPr>
           <a:xfrm>
             <a:off x="1189702" y="1261872"/>
-            <a:ext cx="3145536" cy="4334256"/>
+            <a:ext cx="3145536" cy="4403822"/>
           </a:xfrm>
         </p:spPr>
         <p:txBody>
@@ -15391,10 +16161,29 @@
           <a:p>
             <a:pPr algn="r"/>
             <a:r>
-              <a:rPr lang="sr-Latn-RS" sz="3600"/>
+              <a:rPr lang="sr-Latn-RS" sz="3600" dirty="0"/>
               <a:t>Resursi</a:t>
             </a:r>
-            <a:endParaRPr lang="en-US" sz="3600"/>
+            <a:br>
+              <a:rPr lang="en-US" sz="3600" dirty="0"/>
+            </a:br>
+            <a:br>
+              <a:rPr lang="en-US" sz="3600" dirty="0"/>
+            </a:br>
+            <a:br>
+              <a:rPr lang="en-US" sz="3600" dirty="0"/>
+            </a:br>
+            <a:br>
+              <a:rPr lang="en-US" sz="3600" dirty="0"/>
+            </a:br>
+            <a:r>
+              <a:rPr lang="en-US" sz="3600" dirty="0" err="1"/>
+              <a:t>Projekat</a:t>
+            </a:r>
+            <a:br>
+              <a:rPr lang="en-US" sz="3600" dirty="0"/>
+            </a:br>
+            <a:endParaRPr lang="en-US" sz="3600" dirty="0"/>
           </a:p>
         </p:txBody>
       </p:sp>
@@ -15468,13 +16257,13 @@
         </p:nvSpPr>
         <p:spPr>
           <a:xfrm>
-            <a:off x="5007932" y="1261873"/>
-            <a:ext cx="5951013" cy="4449422"/>
+            <a:off x="5007932" y="1261872"/>
+            <a:ext cx="5951013" cy="4018339"/>
           </a:xfrm>
         </p:spPr>
         <p:txBody>
           <a:bodyPr>
-            <a:normAutofit/>
+            <a:normAutofit fontScale="92500" lnSpcReduction="20000"/>
           </a:bodyPr>
           <a:lstStyle/>
           <a:p>
@@ -15514,7 +16303,13 @@
               </a:rPr>
               <a:t>https://plotly.com/python/plotly-express/</a:t>
             </a:r>
-            <a:endParaRPr lang="sr-Latn-RS" sz="2000" dirty="0"/>
+            <a:endParaRPr lang="en-US" sz="2000" dirty="0"/>
+          </a:p>
+          <a:p>
+            <a:endParaRPr lang="en-US" sz="2000" dirty="0"/>
+          </a:p>
+          <a:p>
+            <a:endParaRPr lang="en-US" sz="2000" dirty="0"/>
           </a:p>
           <a:p>
             <a:r>
@@ -15530,26 +16325,41 @@
               <a:t>Projekat</a:t>
             </a:r>
             <a:r>
-              <a:rPr lang="en-US" sz="2000"/>
+              <a:rPr lang="en-US" sz="2000" dirty="0"/>
               <a:t>: </a:t>
             </a:r>
             <a:r>
-              <a:rPr lang="en-US" sz="2000">
+              <a:rPr lang="en-US" sz="2000" dirty="0">
                 <a:hlinkClick r:id="rId5"/>
               </a:rPr>
               <a:t>https://colab.research.google.com/drive/1WkRGtc7OQnIPAFeeuweWb9l9vJpQUiTh?usp=sharing</a:t>
             </a:r>
             <a:r>
-              <a:rPr lang="en-US" sz="2000"/>
+              <a:rPr lang="en-US" sz="2000" dirty="0"/>
               <a:t> </a:t>
             </a:r>
-            <a:endParaRPr lang="sr-Latn-RS" sz="2000"/>
-          </a:p>
-          <a:p>
             <a:endParaRPr lang="sr-Latn-RS" sz="2000" dirty="0"/>
           </a:p>
           <a:p>
-            <a:endParaRPr lang="en-US" sz="2000" dirty="0"/>
+            <a:r>
+              <a:rPr lang="en-US" sz="2000" dirty="0" err="1"/>
+              <a:t>Github</a:t>
+            </a:r>
+            <a:r>
+              <a:rPr lang="en-US" sz="2000" dirty="0"/>
+              <a:t>: </a:t>
+            </a:r>
+            <a:r>
+              <a:rPr lang="en-US" sz="2000" dirty="0">
+                <a:hlinkClick r:id="rId6"/>
+              </a:rPr>
+              <a:t>https://github.com/DavorJordacevic/Novel-Corona-Virus-2019-Dataset</a:t>
+            </a:r>
+            <a:r>
+              <a:rPr lang="en-US" sz="2000" dirty="0"/>
+              <a:t> </a:t>
+            </a:r>
+            <a:endParaRPr lang="sr-Latn-RS" sz="2000" dirty="0"/>
           </a:p>
         </p:txBody>
       </p:sp>
@@ -18749,26 +19559,13 @@
 </file>
 
 <file path=ppt/slides/slide9.xml><?xml version="1.0" encoding="utf-8"?>
-<p:sld xmlns:a="http://schemas.openxmlformats.org/drawingml/2006/main" xmlns:r="http://schemas.openxmlformats.org/officeDocument/2006/relationships" xmlns:p="http://schemas.openxmlformats.org/presentationml/2006/main">
+<p:sld xmlns:a="http://schemas.openxmlformats.org/drawingml/2006/main" xmlns:r="http://schemas.openxmlformats.org/officeDocument/2006/relationships" xmlns:p="http://schemas.openxmlformats.org/presentationml/2006/main" showMasterSp="0">
   <p:cSld>
     <p:bg>
       <p:bgPr>
-        <a:blipFill rotWithShape="1">
-          <a:blip r:embed="rId2">
-            <a:duotone>
-              <a:schemeClr val="bg2">
-                <a:shade val="76000"/>
-                <a:satMod val="180000"/>
-              </a:schemeClr>
-              <a:schemeClr val="bg2">
-                <a:tint val="80000"/>
-                <a:satMod val="120000"/>
-                <a:lumMod val="180000"/>
-              </a:schemeClr>
-            </a:duotone>
-          </a:blip>
-          <a:stretch/>
-        </a:blipFill>
+        <a:solidFill>
+          <a:schemeClr val="bg1"/>
+        </a:solidFill>
         <a:effectLst/>
       </p:bgPr>
     </p:bg>
@@ -18786,734 +19583,63 @@
           <a:chExt cx="0" cy="0"/>
         </a:xfrm>
       </p:grpSpPr>
-      <p:sp useBgFill="1">
-        <p:nvSpPr>
-          <p:cNvPr id="27" name="Rectangle 26">
+      <p:pic>
+        <p:nvPicPr>
+          <p:cNvPr id="5" name="Content Placeholder 4" descr="Chart, line chart&#10;&#10;Description automatically generated">
             <a:extLst>
               <a:ext uri="{FF2B5EF4-FFF2-40B4-BE49-F238E27FC236}">
-                <a16:creationId xmlns:a16="http://schemas.microsoft.com/office/drawing/2014/main" id="{E03BF673-8C68-4092-BF1B-53C57EFEC21F}"/>
-              </a:ext>
-              <a:ext uri="{C183D7F6-B498-43B3-948B-1728B52AA6E4}">
-                <adec:decorative xmlns:adec="http://schemas.microsoft.com/office/drawing/2017/decorative" val="1"/>
+                <a16:creationId xmlns:a16="http://schemas.microsoft.com/office/drawing/2014/main" id="{87494303-816A-48EE-97A1-A6F46FA6A399}"/>
               </a:ext>
             </a:extLst>
           </p:cNvPr>
-          <p:cNvSpPr>
-            <a:spLocks noGrp="1" noRot="1" noChangeAspect="1" noMove="1" noResize="1" noEditPoints="1" noAdjustHandles="1" noChangeArrowheads="1" noChangeShapeType="1" noTextEdit="1"/>
-          </p:cNvSpPr>
-          <p:nvPr>
-            <p:extLst>
-              <p:ext uri="{386F3935-93C4-4BCD-93E2-E3B085C9AB24}">
-                <p16:designElem xmlns:p16="http://schemas.microsoft.com/office/powerpoint/2015/main" val="1"/>
-              </p:ext>
-            </p:extLst>
-          </p:nvPr>
-        </p:nvSpPr>
-        <p:spPr>
-          <a:xfrm>
-            <a:off x="0" y="0"/>
-            <a:ext cx="12188824" cy="6858000"/>
-          </a:xfrm>
-          <a:prstGeom prst="rect">
-            <a:avLst/>
-          </a:prstGeom>
-          <a:ln>
-            <a:noFill/>
-          </a:ln>
-        </p:spPr>
-        <p:style>
-          <a:lnRef idx="2">
-            <a:schemeClr val="accent1">
-              <a:shade val="50000"/>
-            </a:schemeClr>
-          </a:lnRef>
-          <a:fillRef idx="1">
-            <a:schemeClr val="accent1"/>
-          </a:fillRef>
-          <a:effectRef idx="0">
-            <a:schemeClr val="accent1"/>
-          </a:effectRef>
-          <a:fontRef idx="minor">
-            <a:schemeClr val="lt1"/>
-          </a:fontRef>
-        </p:style>
-        <p:txBody>
-          <a:bodyPr rtlCol="0" anchor="ctr"/>
-          <a:lstStyle/>
-          <a:p>
-            <a:pPr algn="ctr"/>
-            <a:endParaRPr lang="en-US"/>
-          </a:p>
-        </p:txBody>
-      </p:sp>
-      <p:sp>
-        <p:nvSpPr>
-          <p:cNvPr id="29" name="Freeform 47">
-            <a:extLst>
-              <a:ext uri="{FF2B5EF4-FFF2-40B4-BE49-F238E27FC236}">
-                <a16:creationId xmlns:a16="http://schemas.microsoft.com/office/drawing/2014/main" id="{08751D95-C333-4DEB-90B4-1EAC9A91DCA3}"/>
-              </a:ext>
-              <a:ext uri="{C183D7F6-B498-43B3-948B-1728B52AA6E4}">
-                <adec:decorative xmlns:adec="http://schemas.microsoft.com/office/drawing/2017/decorative" val="1"/>
-              </a:ext>
-            </a:extLst>
-          </p:cNvPr>
-          <p:cNvSpPr>
-            <a:spLocks noGrp="1" noRot="1" noChangeAspect="1" noMove="1" noResize="1" noEditPoints="1" noAdjustHandles="1" noChangeArrowheads="1" noChangeShapeType="1" noTextEdit="1"/>
-          </p:cNvSpPr>
-          <p:nvPr>
-            <p:extLst>
-              <p:ext uri="{386F3935-93C4-4BCD-93E2-E3B085C9AB24}">
-                <p16:designElem xmlns:p16="http://schemas.microsoft.com/office/powerpoint/2015/main" val="1"/>
-              </p:ext>
-            </p:extLst>
-          </p:nvPr>
-        </p:nvSpPr>
-        <p:spPr bwMode="white">
-          <a:xfrm flipH="1">
-            <a:off x="4062127" y="-15832"/>
-            <a:ext cx="8129873" cy="6889518"/>
-          </a:xfrm>
-          <a:custGeom>
-            <a:avLst/>
-            <a:gdLst>
-              <a:gd name="connsiteX0" fmla="*/ 0 w 8129873"/>
-              <a:gd name="connsiteY0" fmla="*/ 0 h 6889518"/>
-              <a:gd name="connsiteX1" fmla="*/ 0 w 8129873"/>
-              <a:gd name="connsiteY1" fmla="*/ 6889518 h 6889518"/>
-              <a:gd name="connsiteX2" fmla="*/ 6207942 w 8129873"/>
-              <a:gd name="connsiteY2" fmla="*/ 6882299 h 6889518"/>
-              <a:gd name="connsiteX3" fmla="*/ 8129873 w 8129873"/>
-              <a:gd name="connsiteY3" fmla="*/ 5349831 h 6889518"/>
-              <a:gd name="connsiteX4" fmla="*/ 7291674 w 8129873"/>
-              <a:gd name="connsiteY4" fmla="*/ 7365 h 6889518"/>
-            </a:gdLst>
-            <a:ahLst/>
-            <a:cxnLst>
-              <a:cxn ang="0">
-                <a:pos x="connsiteX0" y="connsiteY0"/>
-              </a:cxn>
-              <a:cxn ang="0">
-                <a:pos x="connsiteX1" y="connsiteY1"/>
-              </a:cxn>
-              <a:cxn ang="0">
-                <a:pos x="connsiteX2" y="connsiteY2"/>
-              </a:cxn>
-              <a:cxn ang="0">
-                <a:pos x="connsiteX3" y="connsiteY3"/>
-              </a:cxn>
-              <a:cxn ang="0">
-                <a:pos x="connsiteX4" y="connsiteY4"/>
-              </a:cxn>
-            </a:cxnLst>
-            <a:rect l="l" t="t" r="r" b="b"/>
-            <a:pathLst>
-              <a:path w="8129873" h="6889518">
-                <a:moveTo>
-                  <a:pt x="0" y="0"/>
-                </a:moveTo>
-                <a:lnTo>
-                  <a:pt x="0" y="6889518"/>
-                </a:lnTo>
-                <a:lnTo>
-                  <a:pt x="6207942" y="6882299"/>
-                </a:lnTo>
-                <a:lnTo>
-                  <a:pt x="8129873" y="5349831"/>
-                </a:lnTo>
-                <a:lnTo>
-                  <a:pt x="7291674" y="7365"/>
-                </a:lnTo>
-                <a:close/>
-              </a:path>
-            </a:pathLst>
-          </a:custGeom>
-          <a:solidFill>
-            <a:schemeClr val="tx1">
-              <a:lumMod val="95000"/>
-              <a:lumOff val="5000"/>
-              <a:alpha val="80000"/>
-            </a:schemeClr>
-          </a:solidFill>
-          <a:ln>
-            <a:noFill/>
-          </a:ln>
-          <a:effectLst/>
-        </p:spPr>
-        <p:style>
-          <a:lnRef idx="1">
-            <a:schemeClr val="accent1"/>
-          </a:lnRef>
-          <a:fillRef idx="3">
-            <a:schemeClr val="accent1"/>
-          </a:fillRef>
-          <a:effectRef idx="2">
-            <a:schemeClr val="accent1"/>
-          </a:effectRef>
-          <a:fontRef idx="minor">
-            <a:schemeClr val="lt1"/>
-          </a:fontRef>
-        </p:style>
-        <p:txBody>
-          <a:bodyPr wrap="square" rtlCol="0" anchor="ctr">
-            <a:noAutofit/>
-          </a:bodyPr>
-          <a:lstStyle/>
-          <a:p>
-            <a:pPr algn="ctr"/>
-            <a:endParaRPr lang="en-US"/>
-          </a:p>
-        </p:txBody>
-      </p:sp>
-      <p:grpSp>
-        <p:nvGrpSpPr>
-          <p:cNvPr id="31" name="Group 30">
-            <a:extLst>
-              <a:ext uri="{FF2B5EF4-FFF2-40B4-BE49-F238E27FC236}">
-                <a16:creationId xmlns:a16="http://schemas.microsoft.com/office/drawing/2014/main" id="{FBBA7535-3851-431E-BDA9-B4F6C1201291}"/>
-              </a:ext>
-              <a:ext uri="{C183D7F6-B498-43B3-948B-1728B52AA6E4}">
-                <adec:decorative xmlns:adec="http://schemas.microsoft.com/office/drawing/2017/decorative" val="1"/>
-              </a:ext>
-            </a:extLst>
-          </p:cNvPr>
-          <p:cNvGrpSpPr>
-            <a:grpSpLocks noGrp="1" noUngrp="1" noRot="1" noChangeAspect="1" noMove="1" noResize="1"/>
-          </p:cNvGrpSpPr>
-          <p:nvPr>
-            <p:extLst>
-              <p:ext uri="{386F3935-93C4-4BCD-93E2-E3B085C9AB24}">
-                <p16:designElem xmlns:p16="http://schemas.microsoft.com/office/powerpoint/2015/main" val="1"/>
-              </p:ext>
-            </p:extLst>
-          </p:nvPr>
-        </p:nvGrpSpPr>
-        <p:grpSpPr>
-          <a:xfrm>
-            <a:off x="3413893" y="0"/>
-            <a:ext cx="2436813" cy="6858001"/>
-            <a:chOff x="1320800" y="0"/>
-            <a:chExt cx="2436813" cy="6858001"/>
-          </a:xfrm>
-        </p:grpSpPr>
-        <p:sp>
-          <p:nvSpPr>
-            <p:cNvPr id="32" name="Freeform 6">
-              <a:extLst>
-                <a:ext uri="{FF2B5EF4-FFF2-40B4-BE49-F238E27FC236}">
-                  <a16:creationId xmlns:a16="http://schemas.microsoft.com/office/drawing/2014/main" id="{2F07680B-461A-4AFC-808F-93216679AA2B}"/>
-                </a:ext>
-                <a:ext uri="{C183D7F6-B498-43B3-948B-1728B52AA6E4}">
-                  <adec:decorative xmlns:adec="http://schemas.microsoft.com/office/drawing/2017/decorative" val="1"/>
-                </a:ext>
-              </a:extLst>
-            </p:cNvPr>
-            <p:cNvSpPr/>
-            <p:nvPr>
-              <p:extLst>
-                <p:ext uri="{386F3935-93C4-4BCD-93E2-E3B085C9AB24}">
-                  <p16:designElem xmlns:p16="http://schemas.microsoft.com/office/powerpoint/2015/main" val="1"/>
-                </p:ext>
-              </p:extLst>
-            </p:nvPr>
-          </p:nvSpPr>
-          <p:spPr bwMode="auto">
-            <a:xfrm>
-              <a:off x="1627188" y="0"/>
-              <a:ext cx="1122363" cy="5329238"/>
-            </a:xfrm>
-            <a:custGeom>
-              <a:avLst/>
-              <a:gdLst/>
-              <a:ahLst/>
-              <a:cxnLst/>
-              <a:rect l="0" t="0" r="r" b="b"/>
-              <a:pathLst>
-                <a:path w="707" h="3357">
-                  <a:moveTo>
-                    <a:pt x="0" y="3330"/>
-                  </a:moveTo>
-                  <a:lnTo>
-                    <a:pt x="156" y="3357"/>
-                  </a:lnTo>
-                  <a:lnTo>
-                    <a:pt x="707" y="0"/>
-                  </a:lnTo>
-                  <a:lnTo>
-                    <a:pt x="547" y="0"/>
-                  </a:lnTo>
-                  <a:lnTo>
-                    <a:pt x="0" y="3330"/>
-                  </a:lnTo>
-                  <a:close/>
-                </a:path>
-              </a:pathLst>
-            </a:custGeom>
-            <a:solidFill>
-              <a:schemeClr val="accent1"/>
-            </a:solidFill>
-            <a:ln>
-              <a:noFill/>
-            </a:ln>
-          </p:spPr>
-        </p:sp>
-        <p:sp>
-          <p:nvSpPr>
-            <p:cNvPr id="33" name="Freeform 7">
-              <a:extLst>
-                <a:ext uri="{FF2B5EF4-FFF2-40B4-BE49-F238E27FC236}">
-                  <a16:creationId xmlns:a16="http://schemas.microsoft.com/office/drawing/2014/main" id="{8C864A04-25C0-4A5F-B6D4-F3859450A43E}"/>
-                </a:ext>
-                <a:ext uri="{C183D7F6-B498-43B3-948B-1728B52AA6E4}">
-                  <adec:decorative xmlns:adec="http://schemas.microsoft.com/office/drawing/2017/decorative" val="1"/>
-                </a:ext>
-              </a:extLst>
-            </p:cNvPr>
-            <p:cNvSpPr/>
-            <p:nvPr>
-              <p:extLst>
-                <p:ext uri="{386F3935-93C4-4BCD-93E2-E3B085C9AB24}">
-                  <p16:designElem xmlns:p16="http://schemas.microsoft.com/office/powerpoint/2015/main" val="1"/>
-                </p:ext>
-              </p:extLst>
-            </p:nvPr>
-          </p:nvSpPr>
-          <p:spPr bwMode="auto">
-            <a:xfrm>
-              <a:off x="1320800" y="0"/>
-              <a:ext cx="1117600" cy="5276850"/>
-            </a:xfrm>
-            <a:custGeom>
-              <a:avLst/>
-              <a:gdLst/>
-              <a:ahLst/>
-              <a:cxnLst/>
-              <a:rect l="0" t="0" r="r" b="b"/>
-              <a:pathLst>
-                <a:path w="704" h="3324">
-                  <a:moveTo>
-                    <a:pt x="704" y="0"/>
-                  </a:moveTo>
-                  <a:lnTo>
-                    <a:pt x="545" y="0"/>
-                  </a:lnTo>
-                  <a:lnTo>
-                    <a:pt x="0" y="3300"/>
-                  </a:lnTo>
-                  <a:lnTo>
-                    <a:pt x="157" y="3324"/>
-                  </a:lnTo>
-                  <a:lnTo>
-                    <a:pt x="704" y="0"/>
-                  </a:lnTo>
-                  <a:close/>
-                </a:path>
-              </a:pathLst>
-            </a:custGeom>
-            <a:solidFill>
-              <a:schemeClr val="tx1">
-                <a:lumMod val="65000"/>
-                <a:lumOff val="35000"/>
-              </a:schemeClr>
-            </a:solidFill>
-            <a:ln>
-              <a:noFill/>
-            </a:ln>
-          </p:spPr>
-        </p:sp>
-        <p:sp>
-          <p:nvSpPr>
-            <p:cNvPr id="34" name="Freeform 8">
-              <a:extLst>
-                <a:ext uri="{FF2B5EF4-FFF2-40B4-BE49-F238E27FC236}">
-                  <a16:creationId xmlns:a16="http://schemas.microsoft.com/office/drawing/2014/main" id="{5F596D75-78C8-47A8-9225-7C64A6674748}"/>
-                </a:ext>
-                <a:ext uri="{C183D7F6-B498-43B3-948B-1728B52AA6E4}">
-                  <adec:decorative xmlns:adec="http://schemas.microsoft.com/office/drawing/2017/decorative" val="1"/>
-                </a:ext>
-              </a:extLst>
-            </p:cNvPr>
-            <p:cNvSpPr/>
-            <p:nvPr>
-              <p:extLst>
-                <p:ext uri="{386F3935-93C4-4BCD-93E2-E3B085C9AB24}">
-                  <p16:designElem xmlns:p16="http://schemas.microsoft.com/office/powerpoint/2015/main" val="1"/>
-                </p:ext>
-              </p:extLst>
-            </p:nvPr>
-          </p:nvSpPr>
-          <p:spPr bwMode="auto">
-            <a:xfrm>
-              <a:off x="1320800" y="5238750"/>
-              <a:ext cx="1228725" cy="1619250"/>
-            </a:xfrm>
-            <a:custGeom>
-              <a:avLst/>
-              <a:gdLst/>
-              <a:ahLst/>
-              <a:cxnLst/>
-              <a:rect l="0" t="0" r="r" b="b"/>
-              <a:pathLst>
-                <a:path w="774" h="1020">
-                  <a:moveTo>
-                    <a:pt x="0" y="0"/>
-                  </a:moveTo>
-                  <a:lnTo>
-                    <a:pt x="740" y="1020"/>
-                  </a:lnTo>
-                  <a:lnTo>
-                    <a:pt x="774" y="1020"/>
-                  </a:lnTo>
-                  <a:lnTo>
-                    <a:pt x="0" y="0"/>
-                  </a:lnTo>
-                  <a:close/>
-                </a:path>
-              </a:pathLst>
-            </a:custGeom>
-            <a:solidFill>
-              <a:schemeClr val="tx1">
-                <a:lumMod val="85000"/>
-                <a:lumOff val="15000"/>
-              </a:schemeClr>
-            </a:solidFill>
-            <a:ln>
-              <a:noFill/>
-            </a:ln>
-          </p:spPr>
-        </p:sp>
-        <p:sp>
-          <p:nvSpPr>
-            <p:cNvPr id="35" name="Freeform 9">
-              <a:extLst>
-                <a:ext uri="{FF2B5EF4-FFF2-40B4-BE49-F238E27FC236}">
-                  <a16:creationId xmlns:a16="http://schemas.microsoft.com/office/drawing/2014/main" id="{128D8641-4FEB-4878-B029-6CC4922EB5DF}"/>
-                </a:ext>
-                <a:ext uri="{C183D7F6-B498-43B3-948B-1728B52AA6E4}">
-                  <adec:decorative xmlns:adec="http://schemas.microsoft.com/office/drawing/2017/decorative" val="1"/>
-                </a:ext>
-              </a:extLst>
-            </p:cNvPr>
-            <p:cNvSpPr/>
-            <p:nvPr>
-              <p:extLst>
-                <p:ext uri="{386F3935-93C4-4BCD-93E2-E3B085C9AB24}">
-                  <p16:designElem xmlns:p16="http://schemas.microsoft.com/office/powerpoint/2015/main" val="1"/>
-                </p:ext>
-              </p:extLst>
-            </p:nvPr>
-          </p:nvSpPr>
-          <p:spPr bwMode="auto">
-            <a:xfrm>
-              <a:off x="1627188" y="5291138"/>
-              <a:ext cx="1495425" cy="1566863"/>
-            </a:xfrm>
-            <a:custGeom>
-              <a:avLst/>
-              <a:gdLst/>
-              <a:ahLst/>
-              <a:cxnLst/>
-              <a:rect l="0" t="0" r="r" b="b"/>
-              <a:pathLst>
-                <a:path w="942" h="987">
-                  <a:moveTo>
-                    <a:pt x="0" y="0"/>
-                  </a:moveTo>
-                  <a:lnTo>
-                    <a:pt x="909" y="987"/>
-                  </a:lnTo>
-                  <a:lnTo>
-                    <a:pt x="942" y="987"/>
-                  </a:lnTo>
-                  <a:lnTo>
-                    <a:pt x="0" y="0"/>
-                  </a:lnTo>
-                  <a:close/>
-                </a:path>
-              </a:pathLst>
-            </a:custGeom>
-            <a:solidFill>
-              <a:schemeClr val="accent1">
-                <a:lumMod val="50000"/>
-              </a:schemeClr>
-            </a:solidFill>
-            <a:ln>
-              <a:noFill/>
-            </a:ln>
-          </p:spPr>
-        </p:sp>
-        <p:sp>
-          <p:nvSpPr>
-            <p:cNvPr id="36" name="Freeform 10">
-              <a:extLst>
-                <a:ext uri="{FF2B5EF4-FFF2-40B4-BE49-F238E27FC236}">
-                  <a16:creationId xmlns:a16="http://schemas.microsoft.com/office/drawing/2014/main" id="{BB339737-0E88-4165-A752-9E204068DE70}"/>
-                </a:ext>
-                <a:ext uri="{C183D7F6-B498-43B3-948B-1728B52AA6E4}">
-                  <adec:decorative xmlns:adec="http://schemas.microsoft.com/office/drawing/2017/decorative" val="1"/>
-                </a:ext>
-              </a:extLst>
-            </p:cNvPr>
-            <p:cNvSpPr/>
-            <p:nvPr>
-              <p:extLst>
-                <p:ext uri="{386F3935-93C4-4BCD-93E2-E3B085C9AB24}">
-                  <p16:designElem xmlns:p16="http://schemas.microsoft.com/office/powerpoint/2015/main" val="1"/>
-                </p:ext>
-              </p:extLst>
-            </p:nvPr>
-          </p:nvSpPr>
-          <p:spPr bwMode="auto">
-            <a:xfrm>
-              <a:off x="1627188" y="5286375"/>
-              <a:ext cx="2130425" cy="1571625"/>
-            </a:xfrm>
-            <a:custGeom>
-              <a:avLst/>
-              <a:gdLst/>
-              <a:ahLst/>
-              <a:cxnLst/>
-              <a:rect l="0" t="0" r="r" b="b"/>
-              <a:pathLst>
-                <a:path w="1342" h="990">
-                  <a:moveTo>
-                    <a:pt x="0" y="3"/>
-                  </a:moveTo>
-                  <a:lnTo>
-                    <a:pt x="942" y="990"/>
-                  </a:lnTo>
-                  <a:lnTo>
-                    <a:pt x="1342" y="990"/>
-                  </a:lnTo>
-                  <a:lnTo>
-                    <a:pt x="156" y="27"/>
-                  </a:lnTo>
-                  <a:lnTo>
-                    <a:pt x="0" y="0"/>
-                  </a:lnTo>
-                  <a:lnTo>
-                    <a:pt x="0" y="3"/>
-                  </a:lnTo>
-                  <a:close/>
-                </a:path>
-              </a:pathLst>
-            </a:custGeom>
-            <a:solidFill>
-              <a:schemeClr val="accent1">
-                <a:lumMod val="75000"/>
-              </a:schemeClr>
-            </a:solidFill>
-            <a:ln>
-              <a:noFill/>
-            </a:ln>
-          </p:spPr>
-        </p:sp>
-        <p:sp>
-          <p:nvSpPr>
-            <p:cNvPr id="37" name="Freeform 11">
-              <a:extLst>
-                <a:ext uri="{FF2B5EF4-FFF2-40B4-BE49-F238E27FC236}">
-                  <a16:creationId xmlns:a16="http://schemas.microsoft.com/office/drawing/2014/main" id="{633AF255-B0DD-4D23-A3F2-DDB221BB1B26}"/>
-                </a:ext>
-                <a:ext uri="{C183D7F6-B498-43B3-948B-1728B52AA6E4}">
-                  <adec:decorative xmlns:adec="http://schemas.microsoft.com/office/drawing/2017/decorative" val="1"/>
-                </a:ext>
-              </a:extLst>
-            </p:cNvPr>
-            <p:cNvSpPr/>
-            <p:nvPr>
-              <p:extLst>
-                <p:ext uri="{386F3935-93C4-4BCD-93E2-E3B085C9AB24}">
-                  <p16:designElem xmlns:p16="http://schemas.microsoft.com/office/powerpoint/2015/main" val="1"/>
-                </p:ext>
-              </p:extLst>
-            </p:nvPr>
-          </p:nvSpPr>
-          <p:spPr bwMode="auto">
-            <a:xfrm>
-              <a:off x="1320800" y="5238750"/>
-              <a:ext cx="1695450" cy="1619250"/>
-            </a:xfrm>
-            <a:custGeom>
-              <a:avLst/>
-              <a:gdLst/>
-              <a:ahLst/>
-              <a:cxnLst/>
-              <a:rect l="0" t="0" r="r" b="b"/>
-              <a:pathLst>
-                <a:path w="1068" h="1020">
-                  <a:moveTo>
-                    <a:pt x="1068" y="1020"/>
-                  </a:moveTo>
-                  <a:lnTo>
-                    <a:pt x="184" y="60"/>
-                  </a:lnTo>
-                  <a:lnTo>
-                    <a:pt x="154" y="27"/>
-                  </a:lnTo>
-                  <a:lnTo>
-                    <a:pt x="157" y="27"/>
-                  </a:lnTo>
-                  <a:lnTo>
-                    <a:pt x="157" y="24"/>
-                  </a:lnTo>
-                  <a:lnTo>
-                    <a:pt x="154" y="24"/>
-                  </a:lnTo>
-                  <a:lnTo>
-                    <a:pt x="0" y="0"/>
-                  </a:lnTo>
-                  <a:lnTo>
-                    <a:pt x="0" y="0"/>
-                  </a:lnTo>
-                  <a:lnTo>
-                    <a:pt x="774" y="1020"/>
-                  </a:lnTo>
-                  <a:lnTo>
-                    <a:pt x="1068" y="1020"/>
-                  </a:lnTo>
-                  <a:close/>
-                </a:path>
-              </a:pathLst>
-            </a:custGeom>
-            <a:solidFill>
-              <a:schemeClr val="tx1">
-                <a:lumMod val="75000"/>
-                <a:lumOff val="25000"/>
-              </a:schemeClr>
-            </a:solidFill>
-            <a:ln>
-              <a:noFill/>
-            </a:ln>
-          </p:spPr>
-        </p:sp>
-      </p:grpSp>
-      <p:sp>
-        <p:nvSpPr>
-          <p:cNvPr id="2" name="Title 1">
-            <a:extLst>
-              <a:ext uri="{FF2B5EF4-FFF2-40B4-BE49-F238E27FC236}">
-                <a16:creationId xmlns:a16="http://schemas.microsoft.com/office/drawing/2014/main" id="{75EC3D49-CE9B-44A8-BB26-8D99ECCC3E99}"/>
-              </a:ext>
-            </a:extLst>
-          </p:cNvPr>
-          <p:cNvSpPr>
-            <a:spLocks noGrp="1"/>
-          </p:cNvSpPr>
-          <p:nvPr>
-            <p:ph type="title"/>
-          </p:nvPr>
-        </p:nvSpPr>
-        <p:spPr>
-          <a:xfrm>
-            <a:off x="412025" y="1072609"/>
-            <a:ext cx="3041557" cy="4522647"/>
-          </a:xfrm>
-          <a:effectLst/>
-        </p:spPr>
-        <p:txBody>
-          <a:bodyPr anchor="ctr">
-            <a:normAutofit/>
-          </a:bodyPr>
-          <a:lstStyle/>
-          <a:p>
-            <a:pPr algn="l"/>
-            <a:r>
-              <a:rPr lang="sr-Latn-RS" sz="3200"/>
-              <a:t>R programski jezik</a:t>
-            </a:r>
-            <a:endParaRPr lang="en-US" sz="3200"/>
-          </a:p>
-        </p:txBody>
-      </p:sp>
-      <p:sp>
-        <p:nvSpPr>
-          <p:cNvPr id="3" name="Content Placeholder 2">
-            <a:extLst>
-              <a:ext uri="{FF2B5EF4-FFF2-40B4-BE49-F238E27FC236}">
-                <a16:creationId xmlns:a16="http://schemas.microsoft.com/office/drawing/2014/main" id="{155964D7-17D3-4F99-A9A0-78CA990D0F74}"/>
-              </a:ext>
-            </a:extLst>
-          </p:cNvPr>
-          <p:cNvSpPr>
-            <a:spLocks noGrp="1"/>
-          </p:cNvSpPr>
+          <p:cNvPicPr>
+            <a:picLocks noGrp="1" noChangeAspect="1"/>
+          </p:cNvPicPr>
           <p:nvPr>
             <p:ph idx="1"/>
           </p:nvPr>
-        </p:nvSpPr>
+        </p:nvPicPr>
+        <p:blipFill>
+          <a:blip r:embed="rId2">
+            <a:extLst>
+              <a:ext uri="{28A0092B-C50C-407E-A947-70E740481C1C}">
+                <a14:useLocalDpi xmlns:a14="http://schemas.microsoft.com/office/drawing/2010/main" val="0"/>
+              </a:ext>
+            </a:extLst>
+          </a:blip>
+          <a:stretch>
+            <a:fillRect/>
+          </a:stretch>
+        </p:blipFill>
         <p:spPr>
           <a:xfrm>
-            <a:off x="5149032" y="1072609"/>
-            <a:ext cx="6652441" cy="4522647"/>
+            <a:off x="1886099" y="917532"/>
+            <a:ext cx="8419802" cy="5022936"/>
           </a:xfrm>
         </p:spPr>
-        <p:txBody>
-          <a:bodyPr anchor="ctr">
-            <a:normAutofit/>
-          </a:bodyPr>
-          <a:lstStyle/>
-          <a:p>
-            <a:pPr algn="just"/>
-            <a:r>
-              <a:rPr lang="sr-Latn-RS" sz="2000" dirty="0">
-                <a:solidFill>
-                  <a:schemeClr val="bg1"/>
-                </a:solidFill>
-              </a:rPr>
-              <a:t>Za rad u programskom jeziku R korišćeno je Rstudio razvojno okruženje.</a:t>
-            </a:r>
-          </a:p>
-          <a:p>
-            <a:pPr algn="just"/>
-            <a:r>
-              <a:rPr lang="sr-Latn-RS" sz="2000" dirty="0">
-                <a:solidFill>
-                  <a:schemeClr val="bg1"/>
-                </a:solidFill>
-              </a:rPr>
-              <a:t>Za pripremu ovog projekta je napisana skripta koja instalira sve neophodne biblioteke, kako bi R paketi koji su potrebni mogli raditi. Ovo uključuje Anaconda-u, libunits2-dev, sweetviz, libmagic, jq, libjq-dev.</a:t>
-            </a:r>
-          </a:p>
-          <a:p>
-            <a:pPr algn="just"/>
-            <a:r>
-              <a:rPr lang="sr-Latn-RS" sz="2000" dirty="0">
-                <a:solidFill>
-                  <a:schemeClr val="bg1"/>
-                </a:solidFill>
-              </a:rPr>
-              <a:t>Na početku notebook-a se nalazi instalacija svih R paketa, od kojih su tu paketi za iscrtavanje podataka i mapa, kao i već pomenuti Prophet i Sweetviz, koji se instaliraju direktno sa Github-a.</a:t>
-            </a:r>
-          </a:p>
-          <a:p>
-            <a:pPr algn="just"/>
-            <a:r>
-              <a:rPr lang="sr-Latn-RS" sz="2000" dirty="0">
-                <a:solidFill>
-                  <a:schemeClr val="bg1"/>
-                </a:solidFill>
-              </a:rPr>
-              <a:t>Za analizu dataseta, ovog puta je neophodno preuzeti ga na računar.</a:t>
-            </a:r>
-            <a:endParaRPr lang="en-US" sz="2000" dirty="0">
-              <a:solidFill>
-                <a:schemeClr val="bg1"/>
-              </a:solidFill>
-            </a:endParaRPr>
-          </a:p>
-        </p:txBody>
-      </p:sp>
+      </p:pic>
     </p:spTree>
     <p:extLst>
       <p:ext uri="{BB962C8B-B14F-4D97-AF65-F5344CB8AC3E}">
-        <p14:creationId xmlns:p14="http://schemas.microsoft.com/office/powerpoint/2010/main" val="3751372725"/>
+        <p14:creationId xmlns:p14="http://schemas.microsoft.com/office/powerpoint/2010/main" val="3085265197"/>
       </p:ext>
     </p:extLst>
   </p:cSld>
   <p:clrMapOvr>
     <a:masterClrMapping/>
   </p:clrMapOvr>
+  <mc:AlternateContent xmlns:mc="http://schemas.openxmlformats.org/markup-compatibility/2006">
+    <mc:Choice xmlns:p14="http://schemas.microsoft.com/office/powerpoint/2010/main" Requires="p14">
+      <p:transition spd="med" p14:dur="700">
+        <p:fade/>
+      </p:transition>
+    </mc:Choice>
+    <mc:Fallback>
+      <p:transition spd="med">
+        <p:fade/>
+      </p:transition>
+    </mc:Fallback>
+  </mc:AlternateContent>
 </p:sld>
 </file>
 
